--- a/SARSA project/Presentation.pptx
+++ b/SARSA project/Presentation.pptx
@@ -52,7 +52,7 @@
       <p:boldItalic r:id="rId38"/>
     </p:embeddedFont>
     <p:embeddedFont>
-      <p:font typeface="Montserrat" panose="00000500000000000000" pitchFamily="2" charset="0"/>
+      <p:font typeface="Montserrat" panose="020F0502020204030204" pitchFamily="2" charset="0"/>
       <p:regular r:id="rId39"/>
       <p:bold r:id="rId40"/>
       <p:italic r:id="rId41"/>
@@ -7199,29 +7199,11 @@
                 <a:spcPct val="170000"/>
               </a:lnSpc>
             </a:pPr>
-            <a:r>
-              <a:rPr lang="en-IN" sz="1500" dirty="0">
-                <a:solidFill>
-                  <a:schemeClr val="tx2"/>
-                </a:solidFill>
-              </a:rPr>
-              <a:t>Udandra Rohith Siddhartha</a:t>
-            </a:r>
-          </a:p>
-          <a:p>
-            <a:pPr>
-              <a:lnSpc>
-                <a:spcPct val="170000"/>
-              </a:lnSpc>
-            </a:pPr>
-            <a:r>
-              <a:rPr lang="en-IN" sz="1500" dirty="0">
-                <a:solidFill>
-                  <a:schemeClr val="tx2"/>
-                </a:solidFill>
-              </a:rPr>
-              <a:t>2019A4PS0683H</a:t>
-            </a:r>
+            <a:endParaRPr lang="en-IN" sz="1500" dirty="0">
+              <a:solidFill>
+                <a:schemeClr val="tx2"/>
+              </a:solidFill>
+            </a:endParaRPr>
           </a:p>
         </p:txBody>
       </p:sp>
@@ -7509,29 +7491,11 @@
                 <a:spcPct val="170000"/>
               </a:lnSpc>
             </a:pPr>
-            <a:r>
-              <a:rPr lang="en-IN" sz="2000" dirty="0">
-                <a:solidFill>
-                  <a:schemeClr val="tx2"/>
-                </a:solidFill>
-              </a:rPr>
-              <a:t>BITS F327 – Artificial Intelligence for Robotics</a:t>
-            </a:r>
-          </a:p>
-          <a:p>
-            <a:pPr>
-              <a:lnSpc>
-                <a:spcPct val="170000"/>
-              </a:lnSpc>
-            </a:pPr>
-            <a:r>
-              <a:rPr lang="en-IN" sz="2000" dirty="0">
-                <a:solidFill>
-                  <a:schemeClr val="tx2"/>
-                </a:solidFill>
-              </a:rPr>
-              <a:t>End Semester Presentation</a:t>
-            </a:r>
+            <a:endParaRPr lang="en-IN" sz="2000" dirty="0">
+              <a:solidFill>
+                <a:schemeClr val="tx2"/>
+              </a:solidFill>
+            </a:endParaRPr>
           </a:p>
         </p:txBody>
       </p:sp>
